--- a/doc/1 slide Capstone Project.pptx
+++ b/doc/1 slide Capstone Project.pptx
@@ -3694,7 +3694,7 @@
             </a:pPr>
             <a:r>
               <a:rPr lang="en-US" dirty="0"/>
-              <a:t>This project identifies potential solar sites to install solar panels on roofs and parking lots/ structures in Anchorage. </a:t>
+              <a:t>This project identifies potential solar sites to install solar panels on rooftops and parking lots structures in Anchorage, Alaska. </a:t>
             </a:r>
             <a:r>
               <a:rPr lang="en-US" b="1" dirty="0"/>
@@ -3702,15 +3702,31 @@
             </a:r>
             <a:r>
               <a:rPr lang="en-US" dirty="0"/>
-              <a:t>consisting of three steps, including </a:t>
+              <a:t>consists of three </a:t>
+            </a:r>
+            <a:r>
+              <a:rPr lang="en-US" dirty="0" err="1"/>
+              <a:t>steps:</a:t>
+            </a:r>
+            <a:r>
+              <a:rPr lang="en-US" b="1" dirty="0" err="1"/>
+              <a:t>creating</a:t>
             </a:r>
             <a:r>
               <a:rPr lang="en-US" b="1" dirty="0"/>
-              <a:t>creating masks, calculating solar radiation and calculating solar energy</a:t>
+              <a:t> masks, calculating solar radiation and calculating solar energy. </a:t>
             </a:r>
             <a:r>
               <a:rPr lang="en-US" dirty="0"/>
-              <a:t>, is based packages in </a:t>
+              <a:t>It</a:t>
+            </a:r>
+            <a:r>
+              <a:rPr lang="en-US" b="1" dirty="0"/>
+              <a:t> </a:t>
+            </a:r>
+            <a:r>
+              <a:rPr lang="en-US" dirty="0"/>
+              <a:t>is based packages of  </a:t>
             </a:r>
             <a:r>
               <a:rPr lang="en-US" b="1" dirty="0" err="1"/>
@@ -3730,7 +3746,7 @@
             </a:r>
             <a:r>
               <a:rPr lang="en-US" dirty="0"/>
-              <a:t>(LIDAR) data, and the output is </a:t>
+              <a:t>(LiDAR) data, and the output is .</a:t>
             </a:r>
             <a:r>
               <a:rPr lang="en-US" i="1" dirty="0" err="1"/>
@@ -3758,15 +3774,15 @@
             </a:r>
             <a:r>
               <a:rPr lang="en-US" dirty="0"/>
-              <a:t>. Also, this project takes </a:t>
+              <a:t>. Also, this project takes</a:t>
             </a:r>
             <a:r>
               <a:rPr lang="en-US" u="sng" dirty="0"/>
-              <a:t>omission of HVAC system, vents and pipes on the rooftop, parking lots on the ground </a:t>
+              <a:t> HVAC system, vents and pipes on the rooftop, parking lots on the ground </a:t>
             </a:r>
             <a:r>
               <a:rPr lang="en-US" dirty="0"/>
-              <a:t>into consideration, making solar calculation more accurate. Eventually, this model might apply to other cities with similar situation.</a:t>
+              <a:t>into consideration, so that it makes solar calculation more accurate. Eventually, this model might apply to other cities with similar situation.</a:t>
             </a:r>
           </a:p>
         </p:txBody>
@@ -3826,7 +3842,113 @@
         <p:spPr>
           <a:xfrm>
             <a:off x="6294866" y="1392799"/>
-            <a:ext cx="5049121" cy="2090652"/>
+            <a:ext cx="5049121" cy="1905986"/>
+          </a:xfrm>
+          <a:prstGeom prst="rect">
+            <a:avLst/>
+          </a:prstGeom>
+        </p:spPr>
+      </p:pic>
+      <p:sp>
+        <p:nvSpPr>
+          <p:cNvPr id="6" name="TextBox 5">
+            <a:extLst>
+              <a:ext uri="{FF2B5EF4-FFF2-40B4-BE49-F238E27FC236}">
+                <a16:creationId xmlns:a16="http://schemas.microsoft.com/office/drawing/2014/main" id="{FCCB6E8F-9467-374D-B149-60049BEA0D3F}"/>
+              </a:ext>
+            </a:extLst>
+          </p:cNvPr>
+          <p:cNvSpPr txBox="1"/>
+          <p:nvPr/>
+        </p:nvSpPr>
+        <p:spPr>
+          <a:xfrm>
+            <a:off x="7639291" y="3331835"/>
+            <a:ext cx="2048719" cy="215444"/>
+          </a:xfrm>
+          <a:prstGeom prst="rect">
+            <a:avLst/>
+          </a:prstGeom>
+          <a:noFill/>
+        </p:spPr>
+        <p:txBody>
+          <a:bodyPr wrap="square" rtlCol="0">
+            <a:spAutoFit/>
+          </a:bodyPr>
+          <a:lstStyle/>
+          <a:p>
+            <a:r>
+              <a:rPr lang="en-US" sz="800" dirty="0"/>
+              <a:t>Figure 1. Flowchart of Model Building</a:t>
+            </a:r>
+          </a:p>
+        </p:txBody>
+      </p:sp>
+      <p:sp>
+        <p:nvSpPr>
+          <p:cNvPr id="9" name="TextBox 8">
+            <a:extLst>
+              <a:ext uri="{FF2B5EF4-FFF2-40B4-BE49-F238E27FC236}">
+                <a16:creationId xmlns:a16="http://schemas.microsoft.com/office/drawing/2014/main" id="{F3198D19-B2E5-3944-97F7-633D79FE3277}"/>
+              </a:ext>
+            </a:extLst>
+          </p:cNvPr>
+          <p:cNvSpPr txBox="1"/>
+          <p:nvPr/>
+        </p:nvSpPr>
+        <p:spPr>
+          <a:xfrm>
+            <a:off x="7373224" y="6287559"/>
+            <a:ext cx="2013693" cy="215444"/>
+          </a:xfrm>
+          <a:prstGeom prst="rect">
+            <a:avLst/>
+          </a:prstGeom>
+          <a:noFill/>
+        </p:spPr>
+        <p:txBody>
+          <a:bodyPr wrap="none" rtlCol="0">
+            <a:spAutoFit/>
+          </a:bodyPr>
+          <a:lstStyle/>
+          <a:p>
+            <a:r>
+              <a:rPr lang="en-US" sz="800" dirty="0"/>
+              <a:t>Figure 2. Sites displayed in Google Earth Pro</a:t>
+            </a:r>
+          </a:p>
+        </p:txBody>
+      </p:sp>
+      <p:pic>
+        <p:nvPicPr>
+          <p:cNvPr id="11" name="Picture 10">
+            <a:extLst>
+              <a:ext uri="{FF2B5EF4-FFF2-40B4-BE49-F238E27FC236}">
+                <a16:creationId xmlns:a16="http://schemas.microsoft.com/office/drawing/2014/main" id="{6F81FC1B-E478-3849-AFC7-706F935A0609}"/>
+              </a:ext>
+            </a:extLst>
+          </p:cNvPr>
+          <p:cNvPicPr>
+            <a:picLocks noChangeAspect="1"/>
+          </p:cNvPicPr>
+          <p:nvPr/>
+        </p:nvPicPr>
+        <p:blipFill>
+          <a:blip r:embed="rId3">
+            <a:extLst>
+              <a:ext uri="{28A0092B-C50C-407E-A947-70E740481C1C}">
+                <a14:useLocalDpi xmlns:a14="http://schemas.microsoft.com/office/drawing/2010/main" val="0"/>
+              </a:ext>
+            </a:extLst>
+          </a:blip>
+          <a:stretch>
+            <a:fillRect/>
+          </a:stretch>
+        </p:blipFill>
+        <p:spPr>
+          <a:xfrm>
+            <a:off x="6480061" y="3547279"/>
+            <a:ext cx="4643210" cy="2369721"/>
           </a:xfrm>
           <a:prstGeom prst="rect">
             <a:avLst/>
